--- a/Epic Challange/Individual-Task-1.pptx
+++ b/Epic Challange/Individual-Task-1.pptx
@@ -8,8 +8,6 @@
     <p:sldId id="261" r:id="rId2"/>
     <p:sldId id="256" r:id="rId3"/>
     <p:sldId id="258" r:id="rId4"/>
-    <p:sldId id="259" r:id="rId5"/>
-    <p:sldId id="274" r:id="rId6"/>
   </p:sldIdLst>
   <p:sldSz cx="12192000" cy="6858000"/>
   <p:notesSz cx="12192000" cy="6858000"/>
@@ -2664,828 +2662,6 @@
     <p:extLst>
       <p:ext uri="{BB962C8B-B14F-4D97-AF65-F5344CB8AC3E}">
         <p14:creationId xmlns:p14="http://schemas.microsoft.com/office/powerpoint/2010/main" val="2779485669"/>
-      </p:ext>
-    </p:extLst>
-  </p:cSld>
-  <p:clrMapOvr>
-    <a:masterClrMapping/>
-  </p:clrMapOvr>
-</p:sld>
-</file>
-
-<file path=ppt/slides/slide4.xml><?xml version="1.0" encoding="utf-8"?>
-<p:sld xmlns:a="http://schemas.openxmlformats.org/drawingml/2006/main" xmlns:r="http://schemas.openxmlformats.org/officeDocument/2006/relationships" xmlns:p="http://schemas.openxmlformats.org/presentationml/2006/main">
-  <p:cSld>
-    <p:spTree>
-      <p:nvGrpSpPr>
-        <p:cNvPr id="1" name=""/>
-        <p:cNvGrpSpPr/>
-        <p:nvPr/>
-      </p:nvGrpSpPr>
-      <p:grpSpPr>
-        <a:xfrm>
-          <a:off x="0" y="0"/>
-          <a:ext cx="0" cy="0"/>
-          <a:chOff x="0" y="0"/>
-          <a:chExt cx="0" cy="0"/>
-        </a:xfrm>
-      </p:grpSpPr>
-      <p:sp>
-        <p:nvSpPr>
-          <p:cNvPr id="5" name="Rectangle 4">
-            <a:extLst>
-              <a:ext uri="{FF2B5EF4-FFF2-40B4-BE49-F238E27FC236}">
-                <a16:creationId xmlns:a16="http://schemas.microsoft.com/office/drawing/2014/main" id="{9E2FE0FE-71F5-49ED-8F77-E0E597108FCE}"/>
-              </a:ext>
-            </a:extLst>
-          </p:cNvPr>
-          <p:cNvSpPr/>
-          <p:nvPr/>
-        </p:nvSpPr>
-        <p:spPr>
-          <a:xfrm>
-            <a:off x="2852109" y="0"/>
-            <a:ext cx="6496961" cy="584775"/>
-          </a:xfrm>
-          <a:prstGeom prst="rect">
-            <a:avLst/>
-          </a:prstGeom>
-          <a:noFill/>
-        </p:spPr>
-        <p:txBody>
-          <a:bodyPr wrap="square" lIns="91440" tIns="45720" rIns="91440" bIns="45720" anchor="t">
-            <a:spAutoFit/>
-          </a:bodyPr>
-          <a:lstStyle/>
-          <a:p>
-            <a:pPr algn="ctr"/>
-            <a:r>
-              <a:rPr lang="en-US" sz="3200" dirty="0">
-                <a:ln w="0"/>
-                <a:solidFill>
-                  <a:srgbClr val="FF0000"/>
-                </a:solidFill>
-                <a:effectLst>
-                  <a:outerShdw blurRad="38100" dist="19050" dir="2700000" algn="tl" rotWithShape="0">
-                    <a:schemeClr val="dk1">
-                      <a:alpha val="40000"/>
-                    </a:schemeClr>
-                  </a:outerShdw>
-                </a:effectLst>
-              </a:rPr>
-              <a:t>Existing Reference Idea Document </a:t>
-            </a:r>
-            <a:endParaRPr lang="en-US" sz="3200" b="0" cap="none" spc="0" dirty="0">
-              <a:ln w="0"/>
-              <a:solidFill>
-                <a:srgbClr val="FF0000"/>
-              </a:solidFill>
-              <a:effectLst>
-                <a:outerShdw blurRad="38100" dist="19050" dir="2700000" algn="tl" rotWithShape="0">
-                  <a:schemeClr val="dk1">
-                    <a:alpha val="40000"/>
-                  </a:schemeClr>
-                </a:outerShdw>
-              </a:effectLst>
-            </a:endParaRPr>
-          </a:p>
-        </p:txBody>
-      </p:sp>
-      <p:sp>
-        <p:nvSpPr>
-          <p:cNvPr id="6" name="TextBox 5">
-            <a:extLst>
-              <a:ext uri="{FF2B5EF4-FFF2-40B4-BE49-F238E27FC236}">
-                <a16:creationId xmlns:a16="http://schemas.microsoft.com/office/drawing/2014/main" id="{66720138-997E-4D4B-A1B7-91F7C3D6F496}"/>
-              </a:ext>
-            </a:extLst>
-          </p:cNvPr>
-          <p:cNvSpPr txBox="1"/>
-          <p:nvPr/>
-        </p:nvSpPr>
-        <p:spPr>
-          <a:xfrm>
-            <a:off x="284084" y="584775"/>
-            <a:ext cx="5202316" cy="5170646"/>
-          </a:xfrm>
-          <a:prstGeom prst="rect">
-            <a:avLst/>
-          </a:prstGeom>
-          <a:noFill/>
-        </p:spPr>
-        <p:txBody>
-          <a:bodyPr wrap="square" rtlCol="0" anchor="t">
-            <a:spAutoFit/>
-          </a:bodyPr>
-          <a:lstStyle/>
-          <a:p>
-            <a:r>
-              <a:rPr lang="en-US" sz="1400" b="1" u="sng" dirty="0"/>
-              <a:t>Problem and Idea Title</a:t>
-            </a:r>
-            <a:endParaRPr lang="en-US" sz="1400" dirty="0"/>
-          </a:p>
-          <a:p>
-            <a:r>
-              <a:rPr lang="en-US" sz="1200" dirty="0"/>
-              <a:t>Solution Instruction Developing - Simulations</a:t>
-            </a:r>
-          </a:p>
-          <a:p>
-            <a:r>
-              <a:rPr lang="en-US" sz="1400" b="1" u="sng" dirty="0"/>
-              <a:t>Author</a:t>
-            </a:r>
-            <a:endParaRPr lang="en-US" sz="1400" dirty="0"/>
-          </a:p>
-          <a:p>
-            <a:r>
-              <a:rPr lang="en-US" sz="1200" dirty="0"/>
-              <a:t>Halil Ibrahim Uluoglu, UEF				</a:t>
-            </a:r>
-          </a:p>
-          <a:p>
-            <a:r>
-              <a:rPr lang="en-US" sz="1400" b="1" u="sng" dirty="0"/>
-              <a:t>Description</a:t>
-            </a:r>
-            <a:endParaRPr lang="en-US" sz="1400" dirty="0"/>
-          </a:p>
-          <a:p>
-            <a:r>
-              <a:rPr lang="en-GB" sz="1200" dirty="0"/>
-              <a:t>Mars has very rough conditions for human beings. It is very fatal compare to our planet Earth. As human-beings , we increase our knowledge about Mars and its unique conditions. However, It is still hard to predict all problems can happen. Fortunately, we can provide a solution with some techniques to fix immediately unpredictable problems. One of the solution developing method is simulations.</a:t>
-            </a:r>
-          </a:p>
-          <a:p>
-            <a:r>
-              <a:rPr lang="en-GB" sz="1200" dirty="0"/>
-              <a:t>Within simulations, we can create -at least with our knowledge- as same as conditions that Mars has. Nasa has unique simulations environments for solution instruction developing.</a:t>
-            </a:r>
-          </a:p>
-          <a:p>
-            <a:r>
-              <a:rPr lang="en-US" sz="1200" u="sng" dirty="0"/>
-              <a:t>Bigelow Expandable Activity Module: </a:t>
-            </a:r>
-            <a:r>
-              <a:rPr lang="en-US" sz="1200" dirty="0"/>
-              <a:t>Expandable habitat technology for astronauts.</a:t>
-            </a:r>
-          </a:p>
-          <a:p>
-            <a:r>
-              <a:rPr lang="en-US" sz="1200" u="sng" dirty="0"/>
-              <a:t>Space Launch System/Orion Crewed Spacecraft/Space Launch Complex: </a:t>
-            </a:r>
-            <a:r>
-              <a:rPr lang="en-US" sz="1200" dirty="0"/>
-              <a:t>Ensuring transportation capability for Mars missions and other challenging missions.</a:t>
-            </a:r>
-          </a:p>
-          <a:p>
-            <a:r>
-              <a:rPr lang="en-US" sz="1200" u="sng" dirty="0"/>
-              <a:t>Asteroid Redirect Mission: </a:t>
-            </a:r>
-            <a:r>
-              <a:rPr lang="en-US" sz="1200" dirty="0"/>
-              <a:t>Improving solar energy systems for the journey to the Mars.</a:t>
-            </a:r>
-          </a:p>
-          <a:p>
-            <a:r>
-              <a:rPr lang="en-US" sz="1200" u="sng" dirty="0"/>
-              <a:t>Deep Space Network/Near Earth Network/Space Network: </a:t>
-            </a:r>
-            <a:r>
-              <a:rPr lang="en-US" sz="1200" dirty="0"/>
-              <a:t>Significant communication tools for humans and robotic participants.</a:t>
-            </a:r>
-          </a:p>
-          <a:p>
-            <a:r>
-              <a:rPr lang="en-GB" sz="1200" u="sng" dirty="0"/>
-              <a:t>Rovers: </a:t>
-            </a:r>
-            <a:r>
-              <a:rPr lang="en-US" sz="1200" dirty="0"/>
-              <a:t>Nasa sends vehicles to discover and develop instructions for can cause problems. Mars Exploration Rover, Perseverance, Curiosity, Insight Lander, Mars 2020, etc. 	</a:t>
-            </a:r>
-          </a:p>
-          <a:p>
-            <a:r>
-              <a:rPr lang="en-US" sz="1200" u="sng" dirty="0" err="1"/>
-              <a:t>SimLabs</a:t>
-            </a:r>
-            <a:r>
-              <a:rPr lang="en-US" sz="1200" u="sng" dirty="0"/>
-              <a:t>: </a:t>
-            </a:r>
-            <a:r>
-              <a:rPr lang="en-US" sz="1200" dirty="0"/>
-              <a:t>Developing new space shuttle vehicles.</a:t>
-            </a:r>
-          </a:p>
-          <a:p>
-            <a:r>
-              <a:rPr lang="en-US" sz="1200" u="sng" dirty="0"/>
-              <a:t>Hi-Seas(Hawaii Space Exploration Analog and Simulation): </a:t>
-            </a:r>
-            <a:r>
-              <a:rPr lang="en-US" sz="1200" dirty="0"/>
-              <a:t>Analog habitat for our journey to the Mars in Hawaii.</a:t>
-            </a:r>
-            <a:endParaRPr lang="en-US" sz="1200" u="sng" dirty="0"/>
-          </a:p>
-        </p:txBody>
-      </p:sp>
-      <p:sp>
-        <p:nvSpPr>
-          <p:cNvPr id="7" name="TextBox 6">
-            <a:extLst>
-              <a:ext uri="{FF2B5EF4-FFF2-40B4-BE49-F238E27FC236}">
-                <a16:creationId xmlns:a16="http://schemas.microsoft.com/office/drawing/2014/main" id="{69297453-7EA1-4931-A450-61DCE5FE8C90}"/>
-              </a:ext>
-            </a:extLst>
-          </p:cNvPr>
-          <p:cNvSpPr txBox="1"/>
-          <p:nvPr/>
-        </p:nvSpPr>
-        <p:spPr>
-          <a:xfrm>
-            <a:off x="5488709" y="4851285"/>
-            <a:ext cx="6934200" cy="1415772"/>
-          </a:xfrm>
-          <a:prstGeom prst="rect">
-            <a:avLst/>
-          </a:prstGeom>
-          <a:noFill/>
-        </p:spPr>
-        <p:txBody>
-          <a:bodyPr wrap="square" rtlCol="0" anchor="t">
-            <a:spAutoFit/>
-          </a:bodyPr>
-          <a:lstStyle/>
-          <a:p>
-            <a:r>
-              <a:rPr lang="en-US" sz="1400" b="1" u="sng" dirty="0"/>
-              <a:t>References</a:t>
-            </a:r>
-          </a:p>
-          <a:p>
-            <a:r>
-              <a:rPr lang="en-US" sz="1200" dirty="0">
-                <a:ea typeface="+mn-lt"/>
-                <a:cs typeface="+mn-lt"/>
-                <a:hlinkClick r:id="rId2"/>
-              </a:rPr>
-              <a:t>https://www.nasa.gov/press-release/nasa-releases-plan-outlining-next-steps-in-the-journey-to-mars</a:t>
-            </a:r>
-            <a:endParaRPr lang="en-US" sz="1200" dirty="0">
-              <a:ea typeface="+mn-lt"/>
-              <a:cs typeface="+mn-lt"/>
-            </a:endParaRPr>
-          </a:p>
-          <a:p>
-            <a:r>
-              <a:rPr lang="en-US" sz="1200" dirty="0">
-                <a:hlinkClick r:id="rId3"/>
-              </a:rPr>
-              <a:t>https://mars.nasa.gov/mer/</a:t>
-            </a:r>
-            <a:endParaRPr lang="en-US" sz="1200" dirty="0"/>
-          </a:p>
-          <a:p>
-            <a:r>
-              <a:rPr lang="en-US" sz="1200" dirty="0">
-                <a:hlinkClick r:id="rId4"/>
-              </a:rPr>
-              <a:t>https://www.nasa.gov/simlabs/simulate-future-space</a:t>
-            </a:r>
-            <a:endParaRPr lang="en-US" sz="1200" dirty="0"/>
-          </a:p>
-          <a:p>
-            <a:r>
-              <a:rPr lang="en-US" sz="1200" dirty="0">
-                <a:hlinkClick r:id="rId5"/>
-              </a:rPr>
-              <a:t>https://en.wikipedia.org/wiki/HI-SEAS</a:t>
-            </a:r>
-            <a:endParaRPr lang="en-US" sz="1200" dirty="0"/>
-          </a:p>
-          <a:p>
-            <a:endParaRPr lang="en-US" sz="1200" dirty="0"/>
-          </a:p>
-          <a:p>
-            <a:endParaRPr lang="en-US" sz="1200" dirty="0"/>
-          </a:p>
-        </p:txBody>
-      </p:sp>
-      <p:sp>
-        <p:nvSpPr>
-          <p:cNvPr id="11" name="TextBox 10">
-            <a:extLst>
-              <a:ext uri="{FF2B5EF4-FFF2-40B4-BE49-F238E27FC236}">
-                <a16:creationId xmlns:a16="http://schemas.microsoft.com/office/drawing/2014/main" id="{6877CA1B-BA8C-402B-80D0-04287C4EE0B0}"/>
-              </a:ext>
-            </a:extLst>
-          </p:cNvPr>
-          <p:cNvSpPr txBox="1"/>
-          <p:nvPr/>
-        </p:nvSpPr>
-        <p:spPr>
-          <a:xfrm>
-            <a:off x="7315200" y="584775"/>
-            <a:ext cx="3574473" cy="292388"/>
-          </a:xfrm>
-          <a:prstGeom prst="rect">
-            <a:avLst/>
-          </a:prstGeom>
-          <a:noFill/>
-        </p:spPr>
-        <p:txBody>
-          <a:bodyPr wrap="square" rtlCol="0">
-            <a:spAutoFit/>
-          </a:bodyPr>
-          <a:lstStyle/>
-          <a:p>
-            <a:r>
-              <a:rPr lang="en-US" sz="1300" b="1" u="sng" dirty="0"/>
-              <a:t>Instruction with Keywords</a:t>
-            </a:r>
-          </a:p>
-        </p:txBody>
-      </p:sp>
-      <p:pic>
-        <p:nvPicPr>
-          <p:cNvPr id="3" name="Picture 2" descr="A picture containing outdoor, beach, boat, water&#10;&#10;Description automatically generated">
-            <a:extLst>
-              <a:ext uri="{FF2B5EF4-FFF2-40B4-BE49-F238E27FC236}">
-                <a16:creationId xmlns:a16="http://schemas.microsoft.com/office/drawing/2014/main" id="{6BC7DAC1-F027-4231-A653-0728226D58B2}"/>
-              </a:ext>
-            </a:extLst>
-          </p:cNvPr>
-          <p:cNvPicPr>
-            <a:picLocks noChangeAspect="1"/>
-          </p:cNvPicPr>
-          <p:nvPr/>
-        </p:nvPicPr>
-        <p:blipFill>
-          <a:blip r:embed="rId6" cstate="print">
-            <a:extLst>
-              <a:ext uri="{28A0092B-C50C-407E-A947-70E740481C1C}">
-                <a14:useLocalDpi xmlns:a14="http://schemas.microsoft.com/office/drawing/2010/main" val="0"/>
-              </a:ext>
-            </a:extLst>
-          </a:blip>
-          <a:stretch>
-            <a:fillRect/>
-          </a:stretch>
-        </p:blipFill>
-        <p:spPr>
-          <a:xfrm>
-            <a:off x="5486400" y="986847"/>
-            <a:ext cx="6705600" cy="3771901"/>
-          </a:xfrm>
-          <a:prstGeom prst="rect">
-            <a:avLst/>
-          </a:prstGeom>
-        </p:spPr>
-      </p:pic>
-    </p:spTree>
-    <p:extLst>
-      <p:ext uri="{BB962C8B-B14F-4D97-AF65-F5344CB8AC3E}">
-        <p14:creationId xmlns:p14="http://schemas.microsoft.com/office/powerpoint/2010/main" val="3019707243"/>
-      </p:ext>
-    </p:extLst>
-  </p:cSld>
-  <p:clrMapOvr>
-    <a:masterClrMapping/>
-  </p:clrMapOvr>
-</p:sld>
-</file>
-
-<file path=ppt/slides/slide5.xml><?xml version="1.0" encoding="utf-8"?>
-<p:sld xmlns:a="http://schemas.openxmlformats.org/drawingml/2006/main" xmlns:r="http://schemas.openxmlformats.org/officeDocument/2006/relationships" xmlns:p="http://schemas.openxmlformats.org/presentationml/2006/main">
-  <p:cSld>
-    <p:spTree>
-      <p:nvGrpSpPr>
-        <p:cNvPr id="1" name=""/>
-        <p:cNvGrpSpPr/>
-        <p:nvPr/>
-      </p:nvGrpSpPr>
-      <p:grpSpPr>
-        <a:xfrm>
-          <a:off x="0" y="0"/>
-          <a:ext cx="0" cy="0"/>
-          <a:chOff x="0" y="0"/>
-          <a:chExt cx="0" cy="0"/>
-        </a:xfrm>
-      </p:grpSpPr>
-      <p:sp>
-        <p:nvSpPr>
-          <p:cNvPr id="5" name="Rectangle 4">
-            <a:extLst>
-              <a:ext uri="{FF2B5EF4-FFF2-40B4-BE49-F238E27FC236}">
-                <a16:creationId xmlns:a16="http://schemas.microsoft.com/office/drawing/2014/main" id="{9E2FE0FE-71F5-49ED-8F77-E0E597108FCE}"/>
-              </a:ext>
-            </a:extLst>
-          </p:cNvPr>
-          <p:cNvSpPr/>
-          <p:nvPr/>
-        </p:nvSpPr>
-        <p:spPr>
-          <a:xfrm>
-            <a:off x="2847519" y="-126840"/>
-            <a:ext cx="6496961" cy="584775"/>
-          </a:xfrm>
-          <a:prstGeom prst="rect">
-            <a:avLst/>
-          </a:prstGeom>
-          <a:noFill/>
-        </p:spPr>
-        <p:txBody>
-          <a:bodyPr wrap="square" lIns="91440" tIns="45720" rIns="91440" bIns="45720" anchor="t">
-            <a:spAutoFit/>
-          </a:bodyPr>
-          <a:lstStyle/>
-          <a:p>
-            <a:pPr algn="ctr"/>
-            <a:r>
-              <a:rPr lang="en-US" sz="3200" dirty="0">
-                <a:ln w="0"/>
-                <a:solidFill>
-                  <a:srgbClr val="FF0000"/>
-                </a:solidFill>
-                <a:effectLst>
-                  <a:outerShdw blurRad="38100" dist="19050" dir="2700000" algn="tl" rotWithShape="0">
-                    <a:schemeClr val="dk1">
-                      <a:alpha val="40000"/>
-                    </a:schemeClr>
-                  </a:outerShdw>
-                </a:effectLst>
-              </a:rPr>
-              <a:t>Idea</a:t>
-            </a:r>
-            <a:r>
-              <a:rPr lang="en-US" sz="3200" b="0" cap="none" spc="0" dirty="0">
-                <a:ln w="0"/>
-                <a:solidFill>
-                  <a:srgbClr val="FF0000"/>
-                </a:solidFill>
-                <a:effectLst>
-                  <a:outerShdw blurRad="38100" dist="19050" dir="2700000" algn="tl" rotWithShape="0">
-                    <a:schemeClr val="dk1">
-                      <a:alpha val="40000"/>
-                    </a:schemeClr>
-                  </a:outerShdw>
-                </a:effectLst>
-              </a:rPr>
-              <a:t> </a:t>
-            </a:r>
-            <a:r>
-              <a:rPr lang="en-US" sz="3200" dirty="0">
-                <a:ln w="0"/>
-                <a:solidFill>
-                  <a:srgbClr val="FF0000"/>
-                </a:solidFill>
-                <a:effectLst>
-                  <a:outerShdw blurRad="38100" dist="19050" dir="2700000" algn="tl" rotWithShape="0">
-                    <a:schemeClr val="dk1">
-                      <a:alpha val="40000"/>
-                    </a:schemeClr>
-                  </a:outerShdw>
-                </a:effectLst>
-              </a:rPr>
-              <a:t>Document</a:t>
-            </a:r>
-            <a:endParaRPr lang="en-US" sz="3200" b="0" cap="none" spc="0" dirty="0">
-              <a:ln w="0"/>
-              <a:solidFill>
-                <a:srgbClr val="FF0000"/>
-              </a:solidFill>
-              <a:effectLst>
-                <a:outerShdw blurRad="38100" dist="19050" dir="2700000" algn="tl" rotWithShape="0">
-                  <a:schemeClr val="dk1">
-                    <a:alpha val="40000"/>
-                  </a:schemeClr>
-                </a:outerShdw>
-              </a:effectLst>
-            </a:endParaRPr>
-          </a:p>
-        </p:txBody>
-      </p:sp>
-      <p:sp>
-        <p:nvSpPr>
-          <p:cNvPr id="6" name="TextBox 5">
-            <a:extLst>
-              <a:ext uri="{FF2B5EF4-FFF2-40B4-BE49-F238E27FC236}">
-                <a16:creationId xmlns:a16="http://schemas.microsoft.com/office/drawing/2014/main" id="{66720138-997E-4D4B-A1B7-91F7C3D6F496}"/>
-              </a:ext>
-            </a:extLst>
-          </p:cNvPr>
-          <p:cNvSpPr txBox="1"/>
-          <p:nvPr/>
-        </p:nvSpPr>
-        <p:spPr>
-          <a:xfrm>
-            <a:off x="284084" y="584775"/>
-            <a:ext cx="5811916" cy="5539978"/>
-          </a:xfrm>
-          <a:prstGeom prst="rect">
-            <a:avLst/>
-          </a:prstGeom>
-          <a:noFill/>
-        </p:spPr>
-        <p:txBody>
-          <a:bodyPr wrap="square" rtlCol="0" anchor="t">
-            <a:spAutoFit/>
-          </a:bodyPr>
-          <a:lstStyle/>
-          <a:p>
-            <a:r>
-              <a:rPr lang="en-US" sz="1400" b="1" u="sng" dirty="0"/>
-              <a:t>Sub-problem</a:t>
-            </a:r>
-            <a:endParaRPr lang="en-US" sz="1400" dirty="0"/>
-          </a:p>
-          <a:p>
-            <a:r>
-              <a:rPr lang="en-US" sz="1200" dirty="0"/>
-              <a:t>Solution Instruction Developing</a:t>
-            </a:r>
-          </a:p>
-          <a:p>
-            <a:r>
-              <a:rPr lang="en-US" sz="1400" b="1" u="sng" dirty="0"/>
-              <a:t>Author</a:t>
-            </a:r>
-            <a:endParaRPr lang="en-US" sz="1400" dirty="0"/>
-          </a:p>
-          <a:p>
-            <a:r>
-              <a:rPr lang="en-US" sz="1200" dirty="0"/>
-              <a:t>Halil Ibrahim Uluoglu, UEF					</a:t>
-            </a:r>
-          </a:p>
-          <a:p>
-            <a:r>
-              <a:rPr lang="en-US" sz="1400" b="1" u="sng" dirty="0"/>
-              <a:t>Description</a:t>
-            </a:r>
-          </a:p>
-          <a:p>
-            <a:r>
-              <a:rPr lang="en-GB" sz="1200" dirty="0"/>
-              <a:t>The Communication method is highly important for sending solutions from Earth to the astronauts on Mars. All communication between Mars and Earth can happen with satellite. The minimum distance from the Earth to Mars is about 54.6 million </a:t>
-            </a:r>
-            <a:r>
-              <a:rPr lang="en-GB" sz="1200" dirty="0" err="1"/>
-              <a:t>kilometers</a:t>
-            </a:r>
-            <a:r>
-              <a:rPr lang="en-GB" sz="1200" dirty="0"/>
-              <a:t>(not often). Because of this enormous distance between Earth and Mars, a considerable delay signal happens between two planets even signal has the speed of light. It can take 3 to 22 minutes to reach a signal. Also considering the reply of the signal it can take a while for communicate.</a:t>
-            </a:r>
-          </a:p>
-          <a:p>
-            <a:r>
-              <a:rPr lang="en-GB" sz="1200" dirty="0"/>
-              <a:t>Such this case, the information /solution instructions which you send is highly significant. </a:t>
-            </a:r>
-          </a:p>
-          <a:p>
-            <a:r>
-              <a:rPr lang="en-GB" sz="1200" dirty="0"/>
-              <a:t>At this point, my idea is to use compression algorithms to send voice messages to the astronauts. There are methods for compression the file such as Huffman Coding, Elias Code, Unary Coding, </a:t>
-            </a:r>
-            <a:r>
-              <a:rPr lang="en-GB" sz="1200" dirty="0" err="1"/>
-              <a:t>SimHash</a:t>
-            </a:r>
-            <a:r>
-              <a:rPr lang="en-GB" sz="1200" dirty="0"/>
-              <a:t>, Parity Check Matrix, etc. The most well-known and efficient algorithm is Huffman Coding.</a:t>
-            </a:r>
-          </a:p>
-          <a:p>
-            <a:r>
-              <a:rPr lang="en-GB" sz="1200" b="1" u="sng" dirty="0"/>
-              <a:t>Huffman Coding: </a:t>
-            </a:r>
-            <a:r>
-              <a:rPr lang="en-GB" sz="1200" dirty="0"/>
-              <a:t>The Huffman Algorithm is a compression algorithm that represents the most used characters with shorter bits and the least used characters with longer bits. For instance, let’s accept a word like “</a:t>
-            </a:r>
-            <a:r>
-              <a:rPr lang="en-GB" sz="1200" dirty="0" err="1"/>
-              <a:t>aaaaaaaccs</a:t>
-            </a:r>
-            <a:r>
-              <a:rPr lang="en-GB" sz="1200" dirty="0"/>
-              <a:t>”. Structure of computer we represent 1 letter with 1 byte. So this word is 10 bytes long in computer memory. Instead of using, 10 byte long word we can represent (most used)a -&gt; 0, s -&gt; 10 c -&gt; 11 . So, to represent our word we just need 7a*1bit + 2c*2bit + 1c*2bit = 12 bit which it is just 2 bytes long in the memory. So we applied a %80 reduction to our speech. </a:t>
-            </a:r>
-          </a:p>
-          <a:p>
-            <a:r>
-              <a:rPr lang="en-GB" sz="1200" dirty="0"/>
-              <a:t>For solution instructions, we can record voice and apply this algorithm to our voice and reduce to file size. Then, we can send this file via satellite to the astronauts. The astronauts can use a special program which installed before their computers can convert to compressed file into a regular voice message. So, The time for instruction can efficiently reduce.</a:t>
-            </a:r>
-          </a:p>
-        </p:txBody>
-      </p:sp>
-      <p:sp>
-        <p:nvSpPr>
-          <p:cNvPr id="7" name="TextBox 6">
-            <a:extLst>
-              <a:ext uri="{FF2B5EF4-FFF2-40B4-BE49-F238E27FC236}">
-                <a16:creationId xmlns:a16="http://schemas.microsoft.com/office/drawing/2014/main" id="{69297453-7EA1-4931-A450-61DCE5FE8C90}"/>
-              </a:ext>
-            </a:extLst>
-          </p:cNvPr>
-          <p:cNvSpPr txBox="1"/>
-          <p:nvPr/>
-        </p:nvSpPr>
-        <p:spPr>
-          <a:xfrm>
-            <a:off x="6114472" y="4848412"/>
-            <a:ext cx="6248238" cy="1231106"/>
-          </a:xfrm>
-          <a:prstGeom prst="rect">
-            <a:avLst/>
-          </a:prstGeom>
-          <a:noFill/>
-        </p:spPr>
-        <p:txBody>
-          <a:bodyPr wrap="square" rtlCol="0" anchor="t">
-            <a:spAutoFit/>
-          </a:bodyPr>
-          <a:lstStyle/>
-          <a:p>
-            <a:r>
-              <a:rPr lang="en-US" sz="1400" b="1" u="sng" dirty="0"/>
-              <a:t>References</a:t>
-            </a:r>
-          </a:p>
-          <a:p>
-            <a:r>
-              <a:rPr lang="en-US" sz="1200" dirty="0">
-                <a:hlinkClick r:id="rId2"/>
-              </a:rPr>
-              <a:t>https://mars.nasa.gov/all-about-mars/night-sky/close-approach/</a:t>
-            </a:r>
-            <a:endParaRPr lang="en-US" sz="1200" dirty="0"/>
-          </a:p>
-          <a:p>
-            <a:r>
-              <a:rPr lang="en-US" sz="1200" dirty="0">
-                <a:hlinkClick r:id="rId3"/>
-              </a:rPr>
-              <a:t>https://www.mars-one.com/faq/technology/how-does-the-mars-base-communicate-with-earth</a:t>
-            </a:r>
-            <a:endParaRPr lang="en-US" sz="1200" dirty="0"/>
-          </a:p>
-          <a:p>
-            <a:r>
-              <a:rPr lang="en-US" sz="1200" dirty="0">
-                <a:hlinkClick r:id="rId4"/>
-              </a:rPr>
-              <a:t>https://www.geeksforgeeks.org/huffman-coding-greedy-algo-3/</a:t>
-            </a:r>
-            <a:endParaRPr lang="en-US" sz="1200" b="1" u="sng" dirty="0"/>
-          </a:p>
-          <a:p>
-            <a:r>
-              <a:rPr lang="en-US" sz="1200" dirty="0">
-                <a:hlinkClick r:id="rId5"/>
-              </a:rPr>
-              <a:t>https://en.wikipedia.org/wiki/Data_compression</a:t>
-            </a:r>
-            <a:endParaRPr lang="en-US" sz="1200" dirty="0"/>
-          </a:p>
-          <a:p>
-            <a:r>
-              <a:rPr lang="en-US" sz="1200" dirty="0">
-                <a:hlinkClick r:id="rId3"/>
-              </a:rPr>
-              <a:t>https://www.mars-one.com/faq/technology/how-does-the-mars-base-communicate-with-earth</a:t>
-            </a:r>
-            <a:endParaRPr lang="en-US" sz="1200" dirty="0"/>
-          </a:p>
-        </p:txBody>
-      </p:sp>
-      <p:sp>
-        <p:nvSpPr>
-          <p:cNvPr id="11" name="TextBox 10">
-            <a:extLst>
-              <a:ext uri="{FF2B5EF4-FFF2-40B4-BE49-F238E27FC236}">
-                <a16:creationId xmlns:a16="http://schemas.microsoft.com/office/drawing/2014/main" id="{6877CA1B-BA8C-402B-80D0-04287C4EE0B0}"/>
-              </a:ext>
-            </a:extLst>
-          </p:cNvPr>
-          <p:cNvSpPr txBox="1"/>
-          <p:nvPr/>
-        </p:nvSpPr>
-        <p:spPr>
-          <a:xfrm>
-            <a:off x="7772400" y="310667"/>
-            <a:ext cx="3574473" cy="292388"/>
-          </a:xfrm>
-          <a:prstGeom prst="rect">
-            <a:avLst/>
-          </a:prstGeom>
-          <a:noFill/>
-        </p:spPr>
-        <p:txBody>
-          <a:bodyPr wrap="square" rtlCol="0">
-            <a:spAutoFit/>
-          </a:bodyPr>
-          <a:lstStyle/>
-          <a:p>
-            <a:r>
-              <a:rPr lang="en-US" sz="1300" b="1" u="sng" dirty="0"/>
-              <a:t>Instruction with Keywords</a:t>
-            </a:r>
-          </a:p>
-        </p:txBody>
-      </p:sp>
-      <p:pic>
-        <p:nvPicPr>
-          <p:cNvPr id="8" name="Picture 7" descr="A close up of a sign&#10;&#10;Description automatically generated">
-            <a:extLst>
-              <a:ext uri="{FF2B5EF4-FFF2-40B4-BE49-F238E27FC236}">
-                <a16:creationId xmlns:a16="http://schemas.microsoft.com/office/drawing/2014/main" id="{30AD8D8D-20F1-4513-AD34-E09135196AF7}"/>
-              </a:ext>
-            </a:extLst>
-          </p:cNvPr>
-          <p:cNvPicPr>
-            <a:picLocks noChangeAspect="1"/>
-          </p:cNvPicPr>
-          <p:nvPr/>
-        </p:nvPicPr>
-        <p:blipFill>
-          <a:blip r:embed="rId6" cstate="print">
-            <a:extLst>
-              <a:ext uri="{28A0092B-C50C-407E-A947-70E740481C1C}">
-                <a14:useLocalDpi xmlns:a14="http://schemas.microsoft.com/office/drawing/2010/main" val="0"/>
-              </a:ext>
-            </a:extLst>
-          </a:blip>
-          <a:stretch>
-            <a:fillRect/>
-          </a:stretch>
-        </p:blipFill>
-        <p:spPr>
-          <a:xfrm>
-            <a:off x="7388653" y="2970746"/>
-            <a:ext cx="3574473" cy="1877666"/>
-          </a:xfrm>
-          <a:prstGeom prst="rect">
-            <a:avLst/>
-          </a:prstGeom>
-        </p:spPr>
-      </p:pic>
-      <p:pic>
-        <p:nvPicPr>
-          <p:cNvPr id="4" name="Picture 3" descr="A picture containing clock&#10;&#10;Description automatically generated">
-            <a:extLst>
-              <a:ext uri="{FF2B5EF4-FFF2-40B4-BE49-F238E27FC236}">
-                <a16:creationId xmlns:a16="http://schemas.microsoft.com/office/drawing/2014/main" id="{E2C085E3-E464-4F52-9742-CBCAAEE3A130}"/>
-              </a:ext>
-            </a:extLst>
-          </p:cNvPr>
-          <p:cNvPicPr>
-            <a:picLocks noChangeAspect="1"/>
-          </p:cNvPicPr>
-          <p:nvPr/>
-        </p:nvPicPr>
-        <p:blipFill>
-          <a:blip r:embed="rId7" cstate="print">
-            <a:extLst>
-              <a:ext uri="{28A0092B-C50C-407E-A947-70E740481C1C}">
-                <a14:useLocalDpi xmlns:a14="http://schemas.microsoft.com/office/drawing/2010/main" val="0"/>
-              </a:ext>
-            </a:extLst>
-          </a:blip>
-          <a:stretch>
-            <a:fillRect/>
-          </a:stretch>
-        </p:blipFill>
-        <p:spPr>
-          <a:xfrm>
-            <a:off x="7501033" y="564857"/>
-            <a:ext cx="3349715" cy="2154635"/>
-          </a:xfrm>
-          <a:prstGeom prst="rect">
-            <a:avLst/>
-          </a:prstGeom>
-        </p:spPr>
-      </p:pic>
-    </p:spTree>
-    <p:extLst>
-      <p:ext uri="{BB962C8B-B14F-4D97-AF65-F5344CB8AC3E}">
-        <p14:creationId xmlns:p14="http://schemas.microsoft.com/office/powerpoint/2010/main" val="4155248198"/>
       </p:ext>
     </p:extLst>
   </p:cSld>
